--- a/module8/8-slides.pptx
+++ b/module8/8-slides.pptx
@@ -2185,6 +2185,16 @@
           </a:p>
           <a:p>
             <a:pPr algn="l"/>
+            <a:r>
+              <a:rPr lang="en-US" b="0" i="0" dirty="0">
+                <a:solidFill>
+                  <a:srgbClr val="494E52"/>
+                </a:solidFill>
+                <a:effectLst/>
+                <a:latin typeface="-apple-system"/>
+              </a:rPr>
+              <a:t/>
+            </a:r>
             <a:br>
               <a:rPr lang="en-US" b="0" i="0" dirty="0">
                 <a:solidFill>
@@ -4003,7 +4013,7 @@
           <a:p>
             <a:fld id="{1160EA64-D806-43AC-9DF2-F8C432F32B4C}" type="datetimeFigureOut">
               <a:rPr lang="en-US" smtClean="0"/>
-              <a:t>11/14/22</a:t>
+              <a:t>4/14/2023</a:t>
             </a:fld>
             <a:endParaRPr lang="en-US" dirty="0"/>
           </a:p>
@@ -4182,7 +4192,7 @@
           <a:p>
             <a:fld id="{E9F9C37B-1D36-470B-8223-D6C91242EC14}" type="datetimeFigureOut">
               <a:rPr lang="en-US" smtClean="0"/>
-              <a:t>11/14/22</a:t>
+              <a:t>4/14/2023</a:t>
             </a:fld>
             <a:endParaRPr lang="en-US" dirty="0"/>
           </a:p>
@@ -4363,7 +4373,7 @@
           <a:p>
             <a:fld id="{67C6F52A-A82B-47A2-A83A-8C4C91F2D59F}" type="datetimeFigureOut">
               <a:rPr lang="en-US" smtClean="0"/>
-              <a:t>11/14/22</a:t>
+              <a:t>4/14/2023</a:t>
             </a:fld>
             <a:endParaRPr lang="en-US" dirty="0"/>
           </a:p>
@@ -4775,7 +4785,7 @@
           <a:p>
             <a:fld id="{1D8BD707-D9CF-40AE-B4C6-C98DA3205C09}" type="datetimeFigureOut">
               <a:rPr lang="en-US"/>
-              <a:t>11/14/22</a:t>
+              <a:t>4/14/2023</a:t>
             </a:fld>
             <a:endParaRPr lang="en-US"/>
           </a:p>
@@ -4935,7 +4945,7 @@
           <a:p>
             <a:fld id="{F070A7B3-6521-4DCA-87E5-044747A908C1}" type="datetimeFigureOut">
               <a:rPr lang="en-US" smtClean="0"/>
-              <a:t>11/14/22</a:t>
+              <a:t>4/14/2023</a:t>
             </a:fld>
             <a:endParaRPr lang="en-US" dirty="0"/>
           </a:p>
@@ -5258,7 +5268,7 @@
           <a:p>
             <a:fld id="{1160EA64-D806-43AC-9DF2-F8C432F32B4C}" type="datetimeFigureOut">
               <a:rPr lang="en-US" smtClean="0"/>
-              <a:t>11/14/22</a:t>
+              <a:t>4/14/2023</a:t>
             </a:fld>
             <a:endParaRPr lang="en-US" dirty="0"/>
           </a:p>
@@ -5720,7 +5730,7 @@
           <a:p>
             <a:fld id="{AB134690-1557-4C89-A502-4959FE7FAD70}" type="datetimeFigureOut">
               <a:rPr lang="en-US" smtClean="0"/>
-              <a:t>11/14/22</a:t>
+              <a:t>4/14/2023</a:t>
             </a:fld>
             <a:endParaRPr lang="en-US" dirty="0"/>
           </a:p>
@@ -6132,7 +6142,7 @@
           <a:p>
             <a:fld id="{1160EA64-D806-43AC-9DF2-F8C432F32B4C}" type="datetimeFigureOut">
               <a:rPr lang="en-US" smtClean="0"/>
-              <a:t>11/14/22</a:t>
+              <a:t>4/14/2023</a:t>
             </a:fld>
             <a:endParaRPr lang="en-US" dirty="0"/>
           </a:p>
@@ -6252,7 +6262,7 @@
           <a:p>
             <a:fld id="{E1037C31-9E7A-4F99-8774-A0E530DE1A42}" type="datetimeFigureOut">
               <a:rPr lang="en-US" smtClean="0"/>
-              <a:t>11/14/22</a:t>
+              <a:t>4/14/2023</a:t>
             </a:fld>
             <a:endParaRPr lang="en-US" dirty="0"/>
           </a:p>
@@ -6370,7 +6380,7 @@
           <a:p>
             <a:fld id="{C278504F-A551-4DE0-9316-4DCD1D8CC752}" type="datetimeFigureOut">
               <a:rPr lang="en-US" smtClean="0"/>
-              <a:t>11/14/22</a:t>
+              <a:t>4/14/2023</a:t>
             </a:fld>
             <a:endParaRPr lang="en-US" dirty="0"/>
           </a:p>
@@ -6729,7 +6739,7 @@
           <a:p>
             <a:fld id="{D1BE4249-C0D0-4B06-8692-E8BB871AF643}" type="datetimeFigureOut">
               <a:rPr lang="en-US" smtClean="0"/>
-              <a:t>11/14/22</a:t>
+              <a:t>4/14/2023</a:t>
             </a:fld>
             <a:endParaRPr lang="en-US" dirty="0"/>
           </a:p>
@@ -7237,7 +7247,7 @@
           <a:p>
             <a:fld id="{042B0DB6-F5C7-45FB-8CF3-31B45F9C2DAC}" type="datetimeFigureOut">
               <a:rPr lang="en-US" smtClean="0"/>
-              <a:t>11/14/22</a:t>
+              <a:t>4/14/2023</a:t>
             </a:fld>
             <a:endParaRPr lang="en-US" dirty="0"/>
           </a:p>
@@ -7593,7 +7603,7 @@
           <a:p>
             <a:fld id="{1160EA64-D806-43AC-9DF2-F8C432F32B4C}" type="datetimeFigureOut">
               <a:rPr lang="en-US" smtClean="0"/>
-              <a:t>11/14/22</a:t>
+              <a:t>4/14/2023</a:t>
             </a:fld>
             <a:endParaRPr lang="en-US" dirty="0"/>
           </a:p>
@@ -22022,7 +22032,15 @@
             </a:r>
             <a:r>
               <a:rPr lang="en-US" sz="2200" spc="-5" dirty="0"/>
-              <a:t> how large our sample has to be</a:t>
+              <a:t> how large our sample has </a:t>
+            </a:r>
+            <a:r>
+              <a:rPr lang="en-US" sz="2200" spc="-5"/>
+              <a:t>to </a:t>
+            </a:r>
+            <a:r>
+              <a:rPr lang="en-US" sz="2200" spc="-5" smtClean="0"/>
+              <a:t>be.</a:t>
             </a:r>
             <a:endParaRPr sz="2200" spc="-5" dirty="0"/>
           </a:p>
